--- a/Springer_UAV_book/Pictures/Fig8.pptx
+++ b/Springer_UAV_book/Pictures/Fig8.pptx
@@ -5,7 +5,8 @@
     <p:sldMasterId id="2147483648" r:id="rId1"/>
   </p:sldMasterIdLst>
   <p:sldIdLst>
-    <p:sldId id="257" r:id="rId2"/>
+    <p:sldId id="263" r:id="rId2"/>
+    <p:sldId id="264" r:id="rId3"/>
   </p:sldIdLst>
   <p:sldSz cx="9144000" cy="6858000" type="screen4x3"/>
   <p:notesSz cx="6858000" cy="9144000"/>
@@ -286,9 +287,10 @@
           <a:bodyPr/>
           <a:lstStyle/>
           <a:p>
-            <a:fld id="{CC7BA875-E63D-46CD-9D74-6CBD955FEC8C}" type="datetimeFigureOut">
-              <a:rPr lang="en-US" smtClean="0"/>
-              <a:t>4/12/2012</a:t>
+            <a:fld id="{1D8BD707-D9CF-40AE-B4C6-C98DA3205C09}" type="datetimeFigureOut">
+              <a:rPr lang="en-US" smtClean="0"/>
+              <a:pPr/>
+              <a:t>8/6/2012</a:t>
             </a:fld>
             <a:endParaRPr lang="en-US"/>
           </a:p>
@@ -328,8 +330,9 @@
           <a:bodyPr/>
           <a:lstStyle/>
           <a:p>
-            <a:fld id="{11B0B683-BC1F-4E65-9452-2D9CAA3E1FA5}" type="slidenum">
-              <a:rPr lang="en-US" smtClean="0"/>
+            <a:fld id="{B6F15528-21DE-4FAA-801E-634DDDAF4B2B}" type="slidenum">
+              <a:rPr lang="en-US" smtClean="0"/>
+              <a:pPr/>
               <a:t>‹#›</a:t>
             </a:fld>
             <a:endParaRPr lang="en-US"/>
@@ -451,9 +454,10 @@
           <a:bodyPr/>
           <a:lstStyle/>
           <a:p>
-            <a:fld id="{CC7BA875-E63D-46CD-9D74-6CBD955FEC8C}" type="datetimeFigureOut">
-              <a:rPr lang="en-US" smtClean="0"/>
-              <a:t>4/12/2012</a:t>
+            <a:fld id="{1D8BD707-D9CF-40AE-B4C6-C98DA3205C09}" type="datetimeFigureOut">
+              <a:rPr lang="en-US" smtClean="0"/>
+              <a:pPr/>
+              <a:t>8/6/2012</a:t>
             </a:fld>
             <a:endParaRPr lang="en-US"/>
           </a:p>
@@ -493,8 +497,9 @@
           <a:bodyPr/>
           <a:lstStyle/>
           <a:p>
-            <a:fld id="{11B0B683-BC1F-4E65-9452-2D9CAA3E1FA5}" type="slidenum">
-              <a:rPr lang="en-US" smtClean="0"/>
+            <a:fld id="{B6F15528-21DE-4FAA-801E-634DDDAF4B2B}" type="slidenum">
+              <a:rPr lang="en-US" smtClean="0"/>
+              <a:pPr/>
               <a:t>‹#›</a:t>
             </a:fld>
             <a:endParaRPr lang="en-US"/>
@@ -626,9 +631,10 @@
           <a:bodyPr/>
           <a:lstStyle/>
           <a:p>
-            <a:fld id="{CC7BA875-E63D-46CD-9D74-6CBD955FEC8C}" type="datetimeFigureOut">
-              <a:rPr lang="en-US" smtClean="0"/>
-              <a:t>4/12/2012</a:t>
+            <a:fld id="{1D8BD707-D9CF-40AE-B4C6-C98DA3205C09}" type="datetimeFigureOut">
+              <a:rPr lang="en-US" smtClean="0"/>
+              <a:pPr/>
+              <a:t>8/6/2012</a:t>
             </a:fld>
             <a:endParaRPr lang="en-US"/>
           </a:p>
@@ -668,8 +674,9 @@
           <a:bodyPr/>
           <a:lstStyle/>
           <a:p>
-            <a:fld id="{11B0B683-BC1F-4E65-9452-2D9CAA3E1FA5}" type="slidenum">
-              <a:rPr lang="en-US" smtClean="0"/>
+            <a:fld id="{B6F15528-21DE-4FAA-801E-634DDDAF4B2B}" type="slidenum">
+              <a:rPr lang="en-US" smtClean="0"/>
+              <a:pPr/>
               <a:t>‹#›</a:t>
             </a:fld>
             <a:endParaRPr lang="en-US"/>
@@ -791,9 +798,10 @@
           <a:bodyPr/>
           <a:lstStyle/>
           <a:p>
-            <a:fld id="{CC7BA875-E63D-46CD-9D74-6CBD955FEC8C}" type="datetimeFigureOut">
-              <a:rPr lang="en-US" smtClean="0"/>
-              <a:t>4/12/2012</a:t>
+            <a:fld id="{1D8BD707-D9CF-40AE-B4C6-C98DA3205C09}" type="datetimeFigureOut">
+              <a:rPr lang="en-US" smtClean="0"/>
+              <a:pPr/>
+              <a:t>8/6/2012</a:t>
             </a:fld>
             <a:endParaRPr lang="en-US"/>
           </a:p>
@@ -833,8 +841,9 @@
           <a:bodyPr/>
           <a:lstStyle/>
           <a:p>
-            <a:fld id="{11B0B683-BC1F-4E65-9452-2D9CAA3E1FA5}" type="slidenum">
-              <a:rPr lang="en-US" smtClean="0"/>
+            <a:fld id="{B6F15528-21DE-4FAA-801E-634DDDAF4B2B}" type="slidenum">
+              <a:rPr lang="en-US" smtClean="0"/>
+              <a:pPr/>
               <a:t>‹#›</a:t>
             </a:fld>
             <a:endParaRPr lang="en-US"/>
@@ -1032,9 +1041,10 @@
           <a:bodyPr/>
           <a:lstStyle/>
           <a:p>
-            <a:fld id="{CC7BA875-E63D-46CD-9D74-6CBD955FEC8C}" type="datetimeFigureOut">
-              <a:rPr lang="en-US" smtClean="0"/>
-              <a:t>4/12/2012</a:t>
+            <a:fld id="{1D8BD707-D9CF-40AE-B4C6-C98DA3205C09}" type="datetimeFigureOut">
+              <a:rPr lang="en-US" smtClean="0"/>
+              <a:pPr/>
+              <a:t>8/6/2012</a:t>
             </a:fld>
             <a:endParaRPr lang="en-US"/>
           </a:p>
@@ -1074,8 +1084,9 @@
           <a:bodyPr/>
           <a:lstStyle/>
           <a:p>
-            <a:fld id="{11B0B683-BC1F-4E65-9452-2D9CAA3E1FA5}" type="slidenum">
-              <a:rPr lang="en-US" smtClean="0"/>
+            <a:fld id="{B6F15528-21DE-4FAA-801E-634DDDAF4B2B}" type="slidenum">
+              <a:rPr lang="en-US" smtClean="0"/>
+              <a:pPr/>
               <a:t>‹#›</a:t>
             </a:fld>
             <a:endParaRPr lang="en-US"/>
@@ -1315,9 +1326,10 @@
           <a:bodyPr/>
           <a:lstStyle/>
           <a:p>
-            <a:fld id="{CC7BA875-E63D-46CD-9D74-6CBD955FEC8C}" type="datetimeFigureOut">
-              <a:rPr lang="en-US" smtClean="0"/>
-              <a:t>4/12/2012</a:t>
+            <a:fld id="{1D8BD707-D9CF-40AE-B4C6-C98DA3205C09}" type="datetimeFigureOut">
+              <a:rPr lang="en-US" smtClean="0"/>
+              <a:pPr/>
+              <a:t>8/6/2012</a:t>
             </a:fld>
             <a:endParaRPr lang="en-US"/>
           </a:p>
@@ -1357,8 +1369,9 @@
           <a:bodyPr/>
           <a:lstStyle/>
           <a:p>
-            <a:fld id="{11B0B683-BC1F-4E65-9452-2D9CAA3E1FA5}" type="slidenum">
-              <a:rPr lang="en-US" smtClean="0"/>
+            <a:fld id="{B6F15528-21DE-4FAA-801E-634DDDAF4B2B}" type="slidenum">
+              <a:rPr lang="en-US" smtClean="0"/>
+              <a:pPr/>
               <a:t>‹#›</a:t>
             </a:fld>
             <a:endParaRPr lang="en-US"/>
@@ -1732,9 +1745,10 @@
           <a:bodyPr/>
           <a:lstStyle/>
           <a:p>
-            <a:fld id="{CC7BA875-E63D-46CD-9D74-6CBD955FEC8C}" type="datetimeFigureOut">
-              <a:rPr lang="en-US" smtClean="0"/>
-              <a:t>4/12/2012</a:t>
+            <a:fld id="{1D8BD707-D9CF-40AE-B4C6-C98DA3205C09}" type="datetimeFigureOut">
+              <a:rPr lang="en-US" smtClean="0"/>
+              <a:pPr/>
+              <a:t>8/6/2012</a:t>
             </a:fld>
             <a:endParaRPr lang="en-US"/>
           </a:p>
@@ -1774,8 +1788,9 @@
           <a:bodyPr/>
           <a:lstStyle/>
           <a:p>
-            <a:fld id="{11B0B683-BC1F-4E65-9452-2D9CAA3E1FA5}" type="slidenum">
-              <a:rPr lang="en-US" smtClean="0"/>
+            <a:fld id="{B6F15528-21DE-4FAA-801E-634DDDAF4B2B}" type="slidenum">
+              <a:rPr lang="en-US" smtClean="0"/>
+              <a:pPr/>
               <a:t>‹#›</a:t>
             </a:fld>
             <a:endParaRPr lang="en-US"/>
@@ -1845,9 +1860,10 @@
           <a:bodyPr/>
           <a:lstStyle/>
           <a:p>
-            <a:fld id="{CC7BA875-E63D-46CD-9D74-6CBD955FEC8C}" type="datetimeFigureOut">
-              <a:rPr lang="en-US" smtClean="0"/>
-              <a:t>4/12/2012</a:t>
+            <a:fld id="{1D8BD707-D9CF-40AE-B4C6-C98DA3205C09}" type="datetimeFigureOut">
+              <a:rPr lang="en-US" smtClean="0"/>
+              <a:pPr/>
+              <a:t>8/6/2012</a:t>
             </a:fld>
             <a:endParaRPr lang="en-US"/>
           </a:p>
@@ -1887,8 +1903,9 @@
           <a:bodyPr/>
           <a:lstStyle/>
           <a:p>
-            <a:fld id="{11B0B683-BC1F-4E65-9452-2D9CAA3E1FA5}" type="slidenum">
-              <a:rPr lang="en-US" smtClean="0"/>
+            <a:fld id="{B6F15528-21DE-4FAA-801E-634DDDAF4B2B}" type="slidenum">
+              <a:rPr lang="en-US" smtClean="0"/>
+              <a:pPr/>
               <a:t>‹#›</a:t>
             </a:fld>
             <a:endParaRPr lang="en-US"/>
@@ -1935,9 +1952,10 @@
           <a:bodyPr/>
           <a:lstStyle/>
           <a:p>
-            <a:fld id="{CC7BA875-E63D-46CD-9D74-6CBD955FEC8C}" type="datetimeFigureOut">
-              <a:rPr lang="en-US" smtClean="0"/>
-              <a:t>4/12/2012</a:t>
+            <a:fld id="{1D8BD707-D9CF-40AE-B4C6-C98DA3205C09}" type="datetimeFigureOut">
+              <a:rPr lang="en-US" smtClean="0"/>
+              <a:pPr/>
+              <a:t>8/6/2012</a:t>
             </a:fld>
             <a:endParaRPr lang="en-US"/>
           </a:p>
@@ -1977,8 +1995,9 @@
           <a:bodyPr/>
           <a:lstStyle/>
           <a:p>
-            <a:fld id="{11B0B683-BC1F-4E65-9452-2D9CAA3E1FA5}" type="slidenum">
-              <a:rPr lang="en-US" smtClean="0"/>
+            <a:fld id="{B6F15528-21DE-4FAA-801E-634DDDAF4B2B}" type="slidenum">
+              <a:rPr lang="en-US" smtClean="0"/>
+              <a:pPr/>
               <a:t>‹#›</a:t>
             </a:fld>
             <a:endParaRPr lang="en-US"/>
@@ -2207,9 +2226,10 @@
           <a:bodyPr/>
           <a:lstStyle/>
           <a:p>
-            <a:fld id="{CC7BA875-E63D-46CD-9D74-6CBD955FEC8C}" type="datetimeFigureOut">
-              <a:rPr lang="en-US" smtClean="0"/>
-              <a:t>4/12/2012</a:t>
+            <a:fld id="{1D8BD707-D9CF-40AE-B4C6-C98DA3205C09}" type="datetimeFigureOut">
+              <a:rPr lang="en-US" smtClean="0"/>
+              <a:pPr/>
+              <a:t>8/6/2012</a:t>
             </a:fld>
             <a:endParaRPr lang="en-US"/>
           </a:p>
@@ -2249,8 +2269,9 @@
           <a:bodyPr/>
           <a:lstStyle/>
           <a:p>
-            <a:fld id="{11B0B683-BC1F-4E65-9452-2D9CAA3E1FA5}" type="slidenum">
-              <a:rPr lang="en-US" smtClean="0"/>
+            <a:fld id="{B6F15528-21DE-4FAA-801E-634DDDAF4B2B}" type="slidenum">
+              <a:rPr lang="en-US" smtClean="0"/>
+              <a:pPr/>
               <a:t>‹#›</a:t>
             </a:fld>
             <a:endParaRPr lang="en-US"/>
@@ -2455,9 +2476,10 @@
           <a:bodyPr/>
           <a:lstStyle/>
           <a:p>
-            <a:fld id="{CC7BA875-E63D-46CD-9D74-6CBD955FEC8C}" type="datetimeFigureOut">
-              <a:rPr lang="en-US" smtClean="0"/>
-              <a:t>4/12/2012</a:t>
+            <a:fld id="{1D8BD707-D9CF-40AE-B4C6-C98DA3205C09}" type="datetimeFigureOut">
+              <a:rPr lang="en-US" smtClean="0"/>
+              <a:pPr/>
+              <a:t>8/6/2012</a:t>
             </a:fld>
             <a:endParaRPr lang="en-US"/>
           </a:p>
@@ -2497,8 +2519,9 @@
           <a:bodyPr/>
           <a:lstStyle/>
           <a:p>
-            <a:fld id="{11B0B683-BC1F-4E65-9452-2D9CAA3E1FA5}" type="slidenum">
-              <a:rPr lang="en-US" smtClean="0"/>
+            <a:fld id="{B6F15528-21DE-4FAA-801E-634DDDAF4B2B}" type="slidenum">
+              <a:rPr lang="en-US" smtClean="0"/>
+              <a:pPr/>
               <a:t>‹#›</a:t>
             </a:fld>
             <a:endParaRPr lang="en-US"/>
@@ -2663,9 +2686,10 @@
             </a:lvl1pPr>
           </a:lstStyle>
           <a:p>
-            <a:fld id="{CC7BA875-E63D-46CD-9D74-6CBD955FEC8C}" type="datetimeFigureOut">
-              <a:rPr lang="en-US" smtClean="0"/>
-              <a:t>4/12/2012</a:t>
+            <a:fld id="{1D8BD707-D9CF-40AE-B4C6-C98DA3205C09}" type="datetimeFigureOut">
+              <a:rPr lang="en-US" smtClean="0"/>
+              <a:pPr/>
+              <a:t>8/6/2012</a:t>
             </a:fld>
             <a:endParaRPr lang="en-US"/>
           </a:p>
@@ -2741,8 +2765,9 @@
             </a:lvl1pPr>
           </a:lstStyle>
           <a:p>
-            <a:fld id="{11B0B683-BC1F-4E65-9452-2D9CAA3E1FA5}" type="slidenum">
-              <a:rPr lang="en-US" smtClean="0"/>
+            <a:fld id="{B6F15528-21DE-4FAA-801E-634DDDAF4B2B}" type="slidenum">
+              <a:rPr lang="en-US" smtClean="0"/>
+              <a:pPr/>
               <a:t>‹#›</a:t>
             </a:fld>
             <a:endParaRPr lang="en-US"/>
@@ -3035,105 +3060,25 @@
           <a:chExt cx="0" cy="0"/>
         </a:xfrm>
       </p:grpSpPr>
-      <p:sp>
-        <p:nvSpPr>
-          <p:cNvPr id="5" name="Oval 42"/>
-          <p:cNvSpPr>
-            <a:spLocks noChangeArrowheads="1"/>
-          </p:cNvSpPr>
+      <p:pic>
+        <p:nvPicPr>
+          <p:cNvPr id="42004" name="Picture 20"/>
+          <p:cNvPicPr>
+            <a:picLocks noChangeAspect="1" noChangeArrowheads="1"/>
+          </p:cNvPicPr>
           <p:nvPr/>
-        </p:nvSpPr>
-        <p:spPr bwMode="auto">
-          <a:xfrm rot="2567684">
-            <a:off x="3908315" y="2113024"/>
-            <a:ext cx="850900" cy="2144718"/>
-          </a:xfrm>
-          <a:prstGeom prst="ellipse">
-            <a:avLst/>
-          </a:prstGeom>
-          <a:gradFill flip="none" rotWithShape="1">
-            <a:gsLst>
-              <a:gs pos="0">
-                <a:schemeClr val="bg1">
-                  <a:lumMod val="85000"/>
-                </a:schemeClr>
-              </a:gs>
-              <a:gs pos="100000">
-                <a:schemeClr val="bg1"/>
-              </a:gs>
-            </a:gsLst>
-            <a:path path="circle">
-              <a:fillToRect l="50000" t="50000" r="50000" b="50000"/>
-            </a:path>
-            <a:tileRect/>
-          </a:gradFill>
-          <a:ln w="9525">
-            <a:solidFill>
-              <a:schemeClr val="tx1"/>
-            </a:solidFill>
-            <a:round/>
-            <a:headEnd/>
-            <a:tailEnd/>
-          </a:ln>
-          <a:effectLst/>
-        </p:spPr>
-        <p:txBody>
-          <a:bodyPr wrap="none" anchor="ctr"/>
-          <a:lstStyle/>
-          <a:p>
-            <a:endParaRPr lang="en-US">
-              <a:latin typeface="+mn-lt"/>
-            </a:endParaRPr>
-          </a:p>
-        </p:txBody>
-      </p:sp>
-      <p:sp>
-        <p:nvSpPr>
-          <p:cNvPr id="6" name="Line 24"/>
-          <p:cNvSpPr>
-            <a:spLocks noChangeShapeType="1"/>
-          </p:cNvSpPr>
-          <p:nvPr/>
-        </p:nvSpPr>
-        <p:spPr bwMode="auto">
-          <a:xfrm flipV="1">
-            <a:off x="3605087" y="2285999"/>
-            <a:ext cx="1728913" cy="1709989"/>
-          </a:xfrm>
-          <a:prstGeom prst="line">
-            <a:avLst/>
-          </a:prstGeom>
-          <a:noFill/>
-          <a:ln w="25400">
-            <a:solidFill>
-              <a:schemeClr val="tx1"/>
-            </a:solidFill>
-            <a:round/>
-            <a:headEnd type="none" w="med" len="sm"/>
-            <a:tailEnd type="stealth" w="lg" len="med"/>
-          </a:ln>
-          <a:effectLst/>
-        </p:spPr>
-        <p:txBody>
-          <a:bodyPr/>
-          <a:lstStyle/>
-          <a:p>
-            <a:endParaRPr lang="en-US"/>
-          </a:p>
-        </p:txBody>
-      </p:sp>
-      <p:sp>
-        <p:nvSpPr>
-          <p:cNvPr id="7" name="Text Box 46"/>
-          <p:cNvSpPr txBox="1">
-            <a:spLocks noChangeArrowheads="1"/>
-          </p:cNvSpPr>
-          <p:nvPr/>
-        </p:nvSpPr>
+        </p:nvPicPr>
+        <p:blipFill>
+          <a:blip r:embed="rId3" cstate="print"/>
+          <a:srcRect/>
+          <a:stretch>
+            <a:fillRect/>
+          </a:stretch>
+        </p:blipFill>
         <p:spPr bwMode="auto">
           <a:xfrm>
-            <a:off x="5105400" y="2743200"/>
-            <a:ext cx="699615" cy="307777"/>
+            <a:off x="1106455" y="2715207"/>
+            <a:ext cx="2887852" cy="2683523"/>
           </a:xfrm>
           <a:prstGeom prst="rect">
             <a:avLst/>
@@ -3145,325 +3090,824 @@
             <a:headEnd/>
             <a:tailEnd/>
           </a:ln>
-          <a:effectLst/>
-        </p:spPr>
-        <p:txBody>
-          <a:bodyPr wrap="none">
-            <a:spAutoFit/>
-          </a:bodyPr>
-          <a:lstStyle/>
-          <a:p>
-            <a:r>
-              <a:rPr lang="en-US" sz="1400" dirty="0" smtClean="0">
-                <a:latin typeface="Garamond" pitchFamily="18" charset="0"/>
-              </a:rPr>
-              <a:t>particle</a:t>
-            </a:r>
-            <a:endParaRPr lang="en-US" sz="1400" dirty="0">
-              <a:latin typeface="Garamond" pitchFamily="18" charset="0"/>
-            </a:endParaRPr>
-          </a:p>
-        </p:txBody>
-      </p:sp>
-      <p:sp>
-        <p:nvSpPr>
-          <p:cNvPr id="8" name="Line 24"/>
-          <p:cNvSpPr>
-            <a:spLocks noChangeShapeType="1"/>
-          </p:cNvSpPr>
+        </p:spPr>
+      </p:pic>
+      <p:sp>
+        <p:nvSpPr>
+          <p:cNvPr id="52" name="TextBox 51"/>
+          <p:cNvSpPr txBox="1"/>
           <p:nvPr/>
         </p:nvSpPr>
-        <p:spPr bwMode="auto">
-          <a:xfrm flipV="1">
-            <a:off x="3601404" y="2209799"/>
-            <a:ext cx="0" cy="1773237"/>
-          </a:xfrm>
-          <a:prstGeom prst="line">
+        <p:spPr>
+          <a:xfrm>
+            <a:off x="2134475" y="1265459"/>
+            <a:ext cx="795337" cy="307777"/>
+          </a:xfrm>
+          <a:prstGeom prst="rect">
             <a:avLst/>
           </a:prstGeom>
           <a:noFill/>
+        </p:spPr>
+        <p:txBody>
+          <a:bodyPr wrap="square" rtlCol="0">
+            <a:spAutoFit/>
+          </a:bodyPr>
+          <a:lstStyle/>
+          <a:p>
+            <a:r>
+              <a:rPr lang="en-US" sz="1400" b="1" dirty="0" smtClean="0">
+                <a:latin typeface="Garamond" pitchFamily="18" charset="0"/>
+              </a:rPr>
+              <a:t>North</a:t>
+            </a:r>
+            <a:endParaRPr lang="en-US" sz="1400" b="1" dirty="0">
+              <a:latin typeface="Garamond" pitchFamily="18" charset="0"/>
+            </a:endParaRPr>
+          </a:p>
+        </p:txBody>
+      </p:sp>
+      <p:sp>
+        <p:nvSpPr>
+          <p:cNvPr id="65" name="TextBox 64"/>
+          <p:cNvSpPr txBox="1"/>
+          <p:nvPr/>
+        </p:nvSpPr>
+        <p:spPr>
+          <a:xfrm>
+            <a:off x="1996750" y="3462238"/>
+            <a:ext cx="457201" cy="307777"/>
+          </a:xfrm>
+          <a:prstGeom prst="rect">
+            <a:avLst/>
+          </a:prstGeom>
+          <a:noFill/>
+        </p:spPr>
+        <p:txBody>
+          <a:bodyPr wrap="square" rtlCol="0">
+            <a:spAutoFit/>
+          </a:bodyPr>
+          <a:lstStyle/>
+          <a:p>
+            <a:r>
+              <a:rPr lang="en-US" sz="1400" b="1" dirty="0" smtClean="0">
+                <a:latin typeface="Garamond" pitchFamily="18" charset="0"/>
+              </a:rPr>
+              <a:t>CG</a:t>
+            </a:r>
+            <a:endParaRPr lang="en-US" sz="1400" b="1" dirty="0">
+              <a:latin typeface="Garamond" pitchFamily="18" charset="0"/>
+            </a:endParaRPr>
+          </a:p>
+        </p:txBody>
+      </p:sp>
+      <p:cxnSp>
+        <p:nvCxnSpPr>
+          <p:cNvPr id="77" name="Straight Arrow Connector 76"/>
+          <p:cNvCxnSpPr/>
+          <p:nvPr/>
+        </p:nvCxnSpPr>
+        <p:spPr>
+          <a:xfrm>
+            <a:off x="4390445" y="1949122"/>
+            <a:ext cx="704069" cy="308886"/>
+          </a:xfrm>
+          <a:prstGeom prst="straightConnector1">
+            <a:avLst/>
+          </a:prstGeom>
           <a:ln w="25400">
             <a:solidFill>
               <a:schemeClr val="tx1"/>
             </a:solidFill>
-            <a:round/>
-            <a:headEnd type="none" w="med" len="sm"/>
             <a:tailEnd type="stealth" w="lg" len="med"/>
           </a:ln>
-          <a:effectLst/>
-        </p:spPr>
-        <p:txBody>
-          <a:bodyPr/>
-          <a:lstStyle/>
-          <a:p>
-            <a:endParaRPr lang="en-US"/>
-          </a:p>
-        </p:txBody>
-      </p:sp>
-      <p:sp>
-        <p:nvSpPr>
-          <p:cNvPr id="9" name="Line 25"/>
-          <p:cNvSpPr>
-            <a:spLocks noChangeShapeType="1"/>
-          </p:cNvSpPr>
+        </p:spPr>
+        <p:style>
+          <a:lnRef idx="1">
+            <a:schemeClr val="accent1"/>
+          </a:lnRef>
+          <a:fillRef idx="0">
+            <a:schemeClr val="accent1"/>
+          </a:fillRef>
+          <a:effectRef idx="0">
+            <a:schemeClr val="accent1"/>
+          </a:effectRef>
+          <a:fontRef idx="minor">
+            <a:schemeClr val="tx1"/>
+          </a:fontRef>
+        </p:style>
+      </p:cxnSp>
+      <p:cxnSp>
+        <p:nvCxnSpPr>
+          <p:cNvPr id="43" name="Straight Arrow Connector 42"/>
+          <p:cNvCxnSpPr>
+            <a:stCxn id="45" idx="4"/>
+          </p:cNvCxnSpPr>
           <p:nvPr/>
-        </p:nvSpPr>
-        <p:spPr bwMode="auto">
-          <a:xfrm rot="5400000" flipV="1">
-            <a:off x="4389915" y="3188176"/>
-            <a:ext cx="0" cy="1583371"/>
-          </a:xfrm>
-          <a:prstGeom prst="line">
+        </p:nvCxnSpPr>
+        <p:spPr>
+          <a:xfrm flipH="1" flipV="1">
+            <a:off x="2500604" y="1567543"/>
+            <a:ext cx="23247" cy="2205560"/>
+          </a:xfrm>
+          <a:prstGeom prst="straightConnector1">
             <a:avLst/>
           </a:prstGeom>
-          <a:noFill/>
           <a:ln w="25400">
             <a:solidFill>
               <a:schemeClr val="tx1"/>
             </a:solidFill>
-            <a:round/>
-            <a:headEnd type="none" w="med" len="sm"/>
             <a:tailEnd type="stealth" w="lg" len="med"/>
           </a:ln>
-          <a:effectLst/>
-        </p:spPr>
-        <p:txBody>
-          <a:bodyPr/>
-          <a:lstStyle/>
-          <a:p>
-            <a:endParaRPr lang="en-US"/>
-          </a:p>
-        </p:txBody>
-      </p:sp>
-      <p:sp>
-        <p:nvSpPr>
-          <p:cNvPr id="16" name="Line 40"/>
-          <p:cNvSpPr>
-            <a:spLocks noChangeShapeType="1"/>
-          </p:cNvSpPr>
+        </p:spPr>
+        <p:style>
+          <a:lnRef idx="1">
+            <a:schemeClr val="accent1"/>
+          </a:lnRef>
+          <a:fillRef idx="0">
+            <a:schemeClr val="accent1"/>
+          </a:fillRef>
+          <a:effectRef idx="0">
+            <a:schemeClr val="accent1"/>
+          </a:effectRef>
+          <a:fontRef idx="minor">
+            <a:schemeClr val="tx1"/>
+          </a:fontRef>
+        </p:style>
+      </p:cxnSp>
+      <p:sp>
+        <p:nvSpPr>
+          <p:cNvPr id="45" name="Flowchart: Or 44"/>
+          <p:cNvSpPr/>
           <p:nvPr/>
         </p:nvSpPr>
-        <p:spPr bwMode="auto">
-          <a:xfrm rot="16200000" flipH="1" flipV="1">
-            <a:off x="2757648" y="3955256"/>
-            <a:ext cx="825500" cy="862012"/>
-          </a:xfrm>
-          <a:prstGeom prst="line">
-            <a:avLst/>
-          </a:prstGeom>
-          <a:noFill/>
-          <a:ln w="25400">
-            <a:solidFill>
-              <a:schemeClr val="tx1"/>
-            </a:solidFill>
-            <a:round/>
-            <a:headEnd type="none" w="med" len="sm"/>
-            <a:tailEnd type="stealth" w="lg" len="med"/>
-          </a:ln>
-          <a:effectLst/>
-        </p:spPr>
-        <p:txBody>
-          <a:bodyPr/>
-          <a:lstStyle/>
-          <a:p>
-            <a:endParaRPr lang="en-US">
-              <a:latin typeface="+mn-lt"/>
-            </a:endParaRPr>
-          </a:p>
-        </p:txBody>
-      </p:sp>
-      <p:sp>
-        <p:nvSpPr>
-          <p:cNvPr id="18" name="Oval 44"/>
-          <p:cNvSpPr>
-            <a:spLocks noChangeAspect="1" noChangeArrowheads="1"/>
-          </p:cNvSpPr>
-          <p:nvPr/>
-        </p:nvSpPr>
-        <p:spPr bwMode="auto">
-          <a:xfrm>
-            <a:off x="4724400" y="2743200"/>
-            <a:ext cx="136525" cy="136525"/>
-          </a:xfrm>
-          <a:prstGeom prst="ellipse">
+        <p:spPr>
+          <a:xfrm rot="1299533">
+            <a:off x="2480013" y="3654685"/>
+            <a:ext cx="132980" cy="122751"/>
+          </a:xfrm>
+          <a:prstGeom prst="flowChartOr">
             <a:avLst/>
           </a:prstGeom>
           <a:solidFill>
             <a:schemeClr val="tx1"/>
           </a:solidFill>
+          <a:ln w="15875">
+            <a:solidFill>
+              <a:schemeClr val="tx1"/>
+            </a:solidFill>
+            <a:tailEnd type="stealth" w="lg" len="med"/>
+          </a:ln>
+        </p:spPr>
+        <p:style>
+          <a:lnRef idx="1">
+            <a:schemeClr val="accent1"/>
+          </a:lnRef>
+          <a:fillRef idx="0">
+            <a:schemeClr val="accent1"/>
+          </a:fillRef>
+          <a:effectRef idx="0">
+            <a:schemeClr val="accent1"/>
+          </a:effectRef>
+          <a:fontRef idx="minor">
+            <a:schemeClr val="tx1"/>
+          </a:fontRef>
+        </p:style>
+        <p:txBody>
+          <a:bodyPr rtlCol="0" anchor="ctr"/>
+          <a:lstStyle/>
+          <a:p>
+            <a:pPr algn="ctr"/>
+            <a:endParaRPr lang="en-US">
+              <a:solidFill>
+                <a:schemeClr val="tx1"/>
+              </a:solidFill>
+            </a:endParaRPr>
+          </a:p>
+        </p:txBody>
+      </p:sp>
+      <p:cxnSp>
+        <p:nvCxnSpPr>
+          <p:cNvPr id="74" name="Straight Arrow Connector 73"/>
+          <p:cNvCxnSpPr>
+            <a:stCxn id="45" idx="0"/>
+          </p:cNvCxnSpPr>
+          <p:nvPr/>
+        </p:nvCxnSpPr>
+        <p:spPr>
+          <a:xfrm flipV="1">
+            <a:off x="2569155" y="1436914"/>
+            <a:ext cx="1013800" cy="2222104"/>
+          </a:xfrm>
+          <a:prstGeom prst="straightConnector1">
+            <a:avLst/>
+          </a:prstGeom>
+          <a:ln w="25400">
+            <a:solidFill>
+              <a:schemeClr val="tx1"/>
+            </a:solidFill>
+            <a:tailEnd type="stealth" w="lg" len="med"/>
+          </a:ln>
+        </p:spPr>
+        <p:style>
+          <a:lnRef idx="1">
+            <a:schemeClr val="accent1"/>
+          </a:lnRef>
+          <a:fillRef idx="0">
+            <a:schemeClr val="accent1"/>
+          </a:fillRef>
+          <a:effectRef idx="0">
+            <a:schemeClr val="accent1"/>
+          </a:effectRef>
+          <a:fontRef idx="minor">
+            <a:schemeClr val="tx1"/>
+          </a:fontRef>
+        </p:style>
+      </p:cxnSp>
+      <p:graphicFrame>
+        <p:nvGraphicFramePr>
+          <p:cNvPr id="79" name="Object 21"/>
+          <p:cNvGraphicFramePr>
+            <a:graphicFrameLocks noChangeAspect="1"/>
+          </p:cNvGraphicFramePr>
+          <p:nvPr/>
+        </p:nvGraphicFramePr>
+        <p:xfrm>
+          <a:off x="3257355" y="1138337"/>
+          <a:ext cx="307975" cy="422275"/>
+        </p:xfrm>
+        <a:graphic>
+          <a:graphicData uri="http://schemas.openxmlformats.org/presentationml/2006/ole">
+            <p:oleObj spid="_x0000_s41999" name="Equation" r:id="rId4" imgW="164880" imgH="228600" progId="Equation.DSMT4">
+              <p:embed/>
+            </p:oleObj>
+          </a:graphicData>
+        </a:graphic>
+      </p:graphicFrame>
+      <p:cxnSp>
+        <p:nvCxnSpPr>
+          <p:cNvPr id="80" name="Straight Arrow Connector 79"/>
+          <p:cNvCxnSpPr>
+            <a:stCxn id="45" idx="7"/>
+          </p:cNvCxnSpPr>
+          <p:nvPr/>
+        </p:nvCxnSpPr>
+        <p:spPr>
+          <a:xfrm flipV="1">
+            <a:off x="2606217" y="1940767"/>
+            <a:ext cx="1797832" cy="1752311"/>
+          </a:xfrm>
+          <a:prstGeom prst="straightConnector1">
+            <a:avLst/>
+          </a:prstGeom>
+          <a:ln w="25400">
+            <a:solidFill>
+              <a:schemeClr val="tx1"/>
+            </a:solidFill>
+            <a:tailEnd type="stealth" w="lg" len="med"/>
+          </a:ln>
+        </p:spPr>
+        <p:style>
+          <a:lnRef idx="1">
+            <a:schemeClr val="accent1"/>
+          </a:lnRef>
+          <a:fillRef idx="0">
+            <a:schemeClr val="accent1"/>
+          </a:fillRef>
+          <a:effectRef idx="0">
+            <a:schemeClr val="accent1"/>
+          </a:effectRef>
+          <a:fontRef idx="minor">
+            <a:schemeClr val="tx1"/>
+          </a:fontRef>
+        </p:style>
+      </p:cxnSp>
+      <p:graphicFrame>
+        <p:nvGraphicFramePr>
+          <p:cNvPr id="94" name="Object 21"/>
+          <p:cNvGraphicFramePr>
+            <a:graphicFrameLocks noChangeAspect="1"/>
+          </p:cNvGraphicFramePr>
+          <p:nvPr/>
+        </p:nvGraphicFramePr>
+        <p:xfrm>
+          <a:off x="4260850" y="1500188"/>
+          <a:ext cx="403225" cy="446087"/>
+        </p:xfrm>
+        <a:graphic>
+          <a:graphicData uri="http://schemas.openxmlformats.org/presentationml/2006/ole">
+            <p:oleObj spid="_x0000_s42000" name="Equation" r:id="rId5" imgW="215640" imgH="241200" progId="Equation.DSMT4">
+              <p:embed/>
+            </p:oleObj>
+          </a:graphicData>
+        </a:graphic>
+      </p:graphicFrame>
+      <p:graphicFrame>
+        <p:nvGraphicFramePr>
+          <p:cNvPr id="42005" name="Object 21"/>
+          <p:cNvGraphicFramePr>
+            <a:graphicFrameLocks noChangeAspect="1"/>
+          </p:cNvGraphicFramePr>
+          <p:nvPr/>
+        </p:nvGraphicFramePr>
+        <p:xfrm>
+          <a:off x="2112800" y="1589315"/>
+          <a:ext cx="307975" cy="422275"/>
+        </p:xfrm>
+        <a:graphic>
+          <a:graphicData uri="http://schemas.openxmlformats.org/presentationml/2006/ole">
+            <p:oleObj spid="_x0000_s42005" name="Equation" r:id="rId6" imgW="164880" imgH="228600" progId="Equation.DSMT4">
+              <p:embed/>
+            </p:oleObj>
+          </a:graphicData>
+        </a:graphic>
+      </p:graphicFrame>
+      <p:graphicFrame>
+        <p:nvGraphicFramePr>
+          <p:cNvPr id="117" name="Object 17"/>
+          <p:cNvGraphicFramePr>
+            <a:graphicFrameLocks noChangeAspect="1"/>
+          </p:cNvGraphicFramePr>
+          <p:nvPr/>
+        </p:nvGraphicFramePr>
+        <p:xfrm>
+          <a:off x="4965700" y="1785938"/>
+          <a:ext cx="427038" cy="446087"/>
+        </p:xfrm>
+        <a:graphic>
+          <a:graphicData uri="http://schemas.openxmlformats.org/presentationml/2006/ole">
+            <p:oleObj spid="_x0000_s42006" name="Equation" r:id="rId7" imgW="228600" imgH="241200" progId="Equation.DSMT4">
+              <p:embed/>
+            </p:oleObj>
+          </a:graphicData>
+        </a:graphic>
+      </p:graphicFrame>
+      <p:cxnSp>
+        <p:nvCxnSpPr>
+          <p:cNvPr id="119" name="Straight Arrow Connector 118"/>
+          <p:cNvCxnSpPr>
+            <a:stCxn id="45" idx="7"/>
+          </p:cNvCxnSpPr>
+          <p:nvPr/>
+        </p:nvCxnSpPr>
+        <p:spPr>
+          <a:xfrm flipV="1">
+            <a:off x="2606217" y="2267339"/>
+            <a:ext cx="2497628" cy="1425739"/>
+          </a:xfrm>
+          <a:prstGeom prst="straightConnector1">
+            <a:avLst/>
+          </a:prstGeom>
+          <a:ln w="25400">
+            <a:solidFill>
+              <a:schemeClr val="tx1"/>
+            </a:solidFill>
+            <a:tailEnd type="stealth" w="lg" len="med"/>
+          </a:ln>
+        </p:spPr>
+        <p:style>
+          <a:lnRef idx="1">
+            <a:schemeClr val="accent1"/>
+          </a:lnRef>
+          <a:fillRef idx="0">
+            <a:schemeClr val="accent1"/>
+          </a:fillRef>
+          <a:effectRef idx="0">
+            <a:schemeClr val="accent1"/>
+          </a:effectRef>
+          <a:fontRef idx="minor">
+            <a:schemeClr val="tx1"/>
+          </a:fontRef>
+        </p:style>
+      </p:cxnSp>
+      <p:graphicFrame>
+        <p:nvGraphicFramePr>
+          <p:cNvPr id="42007" name="Object 15"/>
+          <p:cNvGraphicFramePr>
+            <a:graphicFrameLocks noChangeAspect="1"/>
+          </p:cNvGraphicFramePr>
+          <p:nvPr/>
+        </p:nvGraphicFramePr>
+        <p:xfrm>
+          <a:off x="4822825" y="2435225"/>
+          <a:ext cx="425450" cy="446088"/>
+        </p:xfrm>
+        <a:graphic>
+          <a:graphicData uri="http://schemas.openxmlformats.org/presentationml/2006/ole">
+            <p:oleObj spid="_x0000_s42007" name="Equation" r:id="rId8" imgW="228600" imgH="241200" progId="Equation.DSMT4">
+              <p:embed/>
+            </p:oleObj>
+          </a:graphicData>
+        </a:graphic>
+      </p:graphicFrame>
+      <p:sp>
+        <p:nvSpPr>
+          <p:cNvPr id="122" name="Arc 121"/>
+          <p:cNvSpPr/>
+          <p:nvPr/>
+        </p:nvSpPr>
+        <p:spPr>
+          <a:xfrm rot="20079577">
+            <a:off x="727788" y="3536302"/>
+            <a:ext cx="4898571" cy="2015412"/>
+          </a:xfrm>
+          <a:prstGeom prst="arc">
+            <a:avLst>
+              <a:gd name="adj1" fmla="val 11111667"/>
+              <a:gd name="adj2" fmla="val 20574103"/>
+            </a:avLst>
+          </a:prstGeom>
           <a:ln w="9525">
             <a:solidFill>
               <a:schemeClr val="tx1"/>
             </a:solidFill>
-            <a:round/>
-            <a:headEnd/>
-            <a:tailEnd/>
+            <a:prstDash val="dash"/>
+            <a:tailEnd type="none" w="lg" len="med"/>
           </a:ln>
-          <a:effectLst/>
-        </p:spPr>
-        <p:txBody>
-          <a:bodyPr wrap="none" anchor="ctr"/>
-          <a:lstStyle/>
-          <a:p>
-            <a:endParaRPr lang="en-US" dirty="0">
-              <a:latin typeface="+mn-lt"/>
-            </a:endParaRPr>
-          </a:p>
-        </p:txBody>
-      </p:sp>
-      <p:sp>
-        <p:nvSpPr>
-          <p:cNvPr id="19" name="Line 36"/>
-          <p:cNvSpPr>
-            <a:spLocks noChangeShapeType="1"/>
-          </p:cNvSpPr>
+        </p:spPr>
+        <p:style>
+          <a:lnRef idx="1">
+            <a:schemeClr val="accent1"/>
+          </a:lnRef>
+          <a:fillRef idx="0">
+            <a:schemeClr val="accent1"/>
+          </a:fillRef>
+          <a:effectRef idx="0">
+            <a:schemeClr val="accent1"/>
+          </a:effectRef>
+          <a:fontRef idx="minor">
+            <a:schemeClr val="tx1"/>
+          </a:fontRef>
+        </p:style>
+        <p:txBody>
+          <a:bodyPr rtlCol="0" anchor="ctr"/>
+          <a:lstStyle/>
+          <a:p>
+            <a:pPr algn="ctr"/>
+            <a:endParaRPr lang="en-US"/>
+          </a:p>
+        </p:txBody>
+      </p:sp>
+      <p:sp>
+        <p:nvSpPr>
+          <p:cNvPr id="124" name="TextBox 123"/>
+          <p:cNvSpPr txBox="1"/>
           <p:nvPr/>
         </p:nvSpPr>
-        <p:spPr bwMode="auto">
-          <a:xfrm flipV="1">
-            <a:off x="3609341" y="3557079"/>
-            <a:ext cx="1373441" cy="416941"/>
-          </a:xfrm>
-          <a:prstGeom prst="line">
+        <p:spPr>
+          <a:xfrm>
+            <a:off x="744212" y="4269916"/>
+            <a:ext cx="795337" cy="523220"/>
+          </a:xfrm>
+          <a:prstGeom prst="rect">
             <a:avLst/>
           </a:prstGeom>
           <a:noFill/>
-          <a:ln w="25400">
+        </p:spPr>
+        <p:txBody>
+          <a:bodyPr wrap="square" rtlCol="0">
+            <a:spAutoFit/>
+          </a:bodyPr>
+          <a:lstStyle/>
+          <a:p>
+            <a:r>
+              <a:rPr lang="en-US" sz="1400" b="1" dirty="0" smtClean="0">
+                <a:latin typeface="Garamond" pitchFamily="18" charset="0"/>
+              </a:rPr>
+              <a:t>Ground track</a:t>
+            </a:r>
+            <a:endParaRPr lang="en-US" sz="1400" b="1" dirty="0">
+              <a:latin typeface="Garamond" pitchFamily="18" charset="0"/>
+            </a:endParaRPr>
+          </a:p>
+        </p:txBody>
+      </p:sp>
+      <p:sp>
+        <p:nvSpPr>
+          <p:cNvPr id="125" name="Arc 124"/>
+          <p:cNvSpPr/>
+          <p:nvPr/>
+        </p:nvSpPr>
+        <p:spPr>
+          <a:xfrm>
+            <a:off x="746451" y="2621924"/>
+            <a:ext cx="3107096" cy="2388636"/>
+          </a:xfrm>
+          <a:prstGeom prst="arc">
+            <a:avLst>
+              <a:gd name="adj1" fmla="val 18183383"/>
+              <a:gd name="adj2" fmla="val 19235365"/>
+            </a:avLst>
+          </a:prstGeom>
+          <a:ln w="15875">
             <a:solidFill>
               <a:schemeClr val="tx1"/>
             </a:solidFill>
-            <a:prstDash val="dash"/>
-            <a:round/>
-            <a:headEnd type="none" w="med" len="sm"/>
-            <a:tailEnd type="stealth" w="lg" len="med"/>
+            <a:prstDash val="solid"/>
+            <a:headEnd type="none"/>
+            <a:tailEnd type="stealth"/>
           </a:ln>
-          <a:effectLst/>
-        </p:spPr>
-        <p:txBody>
-          <a:bodyPr/>
-          <a:lstStyle/>
-          <a:p>
-            <a:endParaRPr lang="en-US"/>
-          </a:p>
-        </p:txBody>
-      </p:sp>
-      <p:sp>
-        <p:nvSpPr>
-          <p:cNvPr id="20" name="Line 19"/>
-          <p:cNvSpPr>
-            <a:spLocks noChangeAspect="1" noChangeShapeType="1"/>
-          </p:cNvSpPr>
+        </p:spPr>
+        <p:style>
+          <a:lnRef idx="1">
+            <a:schemeClr val="accent1"/>
+          </a:lnRef>
+          <a:fillRef idx="0">
+            <a:schemeClr val="accent1"/>
+          </a:fillRef>
+          <a:effectRef idx="0">
+            <a:schemeClr val="accent1"/>
+          </a:effectRef>
+          <a:fontRef idx="minor">
+            <a:schemeClr val="tx1"/>
+          </a:fontRef>
+        </p:style>
+        <p:txBody>
+          <a:bodyPr rtlCol="0" anchor="ctr"/>
+          <a:lstStyle/>
+          <a:p>
+            <a:pPr algn="ctr"/>
+            <a:endParaRPr lang="en-US"/>
+          </a:p>
+        </p:txBody>
+      </p:sp>
+      <p:graphicFrame>
+        <p:nvGraphicFramePr>
+          <p:cNvPr id="126" name="Object 19"/>
+          <p:cNvGraphicFramePr>
+            <a:graphicFrameLocks noChangeAspect="1"/>
+          </p:cNvGraphicFramePr>
           <p:nvPr/>
-        </p:nvSpPr>
-        <p:spPr bwMode="auto">
-          <a:xfrm flipV="1">
-            <a:off x="3635753" y="2864497"/>
-            <a:ext cx="1102372" cy="1102372"/>
-          </a:xfrm>
-          <a:prstGeom prst="line">
-            <a:avLst/>
+        </p:nvGraphicFramePr>
+        <p:xfrm>
+          <a:off x="3151253" y="2424502"/>
+          <a:ext cx="284162" cy="374650"/>
+        </p:xfrm>
+        <a:graphic>
+          <a:graphicData uri="http://schemas.openxmlformats.org/presentationml/2006/ole">
+            <p:oleObj spid="_x0000_s42008" name="Equation" r:id="rId9" imgW="152280" imgH="203040" progId="Equation.DSMT4">
+              <p:embed/>
+            </p:oleObj>
+          </a:graphicData>
+        </a:graphic>
+      </p:graphicFrame>
+      <p:sp>
+        <p:nvSpPr>
+          <p:cNvPr id="127" name="Arc 126"/>
+          <p:cNvSpPr/>
+          <p:nvPr/>
+        </p:nvSpPr>
+        <p:spPr>
+          <a:xfrm>
+            <a:off x="1380928" y="2653031"/>
+            <a:ext cx="2279787" cy="2208223"/>
+          </a:xfrm>
+          <a:prstGeom prst="arc">
+            <a:avLst>
+              <a:gd name="adj1" fmla="val 16214435"/>
+              <a:gd name="adj2" fmla="val 17677962"/>
+            </a:avLst>
           </a:prstGeom>
-          <a:noFill/>
-          <a:ln w="25400">
+          <a:ln w="15875">
             <a:solidFill>
               <a:schemeClr val="tx1"/>
             </a:solidFill>
-            <a:round/>
-            <a:headEnd type="none" w="med" len="sm"/>
-            <a:tailEnd type="stealth" w="lg" len="med"/>
+            <a:prstDash val="solid"/>
+            <a:headEnd type="none"/>
+            <a:tailEnd type="stealth"/>
           </a:ln>
-          <a:effectLst/>
-        </p:spPr>
-        <p:txBody>
-          <a:bodyPr/>
-          <a:lstStyle/>
-          <a:p>
-            <a:endParaRPr lang="en-US"/>
-          </a:p>
-        </p:txBody>
-      </p:sp>
-      <p:sp>
-        <p:nvSpPr>
-          <p:cNvPr id="21" name="Line 24"/>
-          <p:cNvSpPr>
-            <a:spLocks noChangeShapeType="1"/>
-          </p:cNvSpPr>
+        </p:spPr>
+        <p:style>
+          <a:lnRef idx="1">
+            <a:schemeClr val="accent1"/>
+          </a:lnRef>
+          <a:fillRef idx="0">
+            <a:schemeClr val="accent1"/>
+          </a:fillRef>
+          <a:effectRef idx="0">
+            <a:schemeClr val="accent1"/>
+          </a:effectRef>
+          <a:fontRef idx="minor">
+            <a:schemeClr val="tx1"/>
+          </a:fontRef>
+        </p:style>
+        <p:txBody>
+          <a:bodyPr rtlCol="0" anchor="ctr"/>
+          <a:lstStyle/>
+          <a:p>
+            <a:pPr algn="ctr"/>
+            <a:endParaRPr lang="en-US"/>
+          </a:p>
+        </p:txBody>
+      </p:sp>
+      <p:graphicFrame>
+        <p:nvGraphicFramePr>
+          <p:cNvPr id="42009" name="Object 25"/>
+          <p:cNvGraphicFramePr>
+            <a:graphicFrameLocks noChangeAspect="1"/>
+          </p:cNvGraphicFramePr>
           <p:nvPr/>
-        </p:nvSpPr>
-        <p:spPr bwMode="auto">
-          <a:xfrm flipH="1" flipV="1">
-            <a:off x="3105214" y="3532694"/>
-            <a:ext cx="487679" cy="438911"/>
-          </a:xfrm>
-          <a:prstGeom prst="line">
-            <a:avLst/>
+        </p:nvGraphicFramePr>
+        <p:xfrm>
+          <a:off x="2611016" y="2326465"/>
+          <a:ext cx="282575" cy="304800"/>
+        </p:xfrm>
+        <a:graphic>
+          <a:graphicData uri="http://schemas.openxmlformats.org/presentationml/2006/ole">
+            <p:oleObj spid="_x0000_s42009" name="Equation" r:id="rId10" imgW="152280" imgH="164880" progId="Equation.DSMT4">
+              <p:embed/>
+            </p:oleObj>
+          </a:graphicData>
+        </a:graphic>
+      </p:graphicFrame>
+      <p:sp>
+        <p:nvSpPr>
+          <p:cNvPr id="128" name="Arc 127"/>
+          <p:cNvSpPr/>
+          <p:nvPr/>
+        </p:nvSpPr>
+        <p:spPr>
+          <a:xfrm>
+            <a:off x="497626" y="2153598"/>
+            <a:ext cx="4009057" cy="3981442"/>
+          </a:xfrm>
+          <a:prstGeom prst="arc">
+            <a:avLst>
+              <a:gd name="adj1" fmla="val 16216377"/>
+              <a:gd name="adj2" fmla="val 19225362"/>
+            </a:avLst>
           </a:prstGeom>
-          <a:noFill/>
-          <a:ln w="25400">
+          <a:ln w="15875">
             <a:solidFill>
               <a:schemeClr val="tx1"/>
             </a:solidFill>
-            <a:round/>
-            <a:headEnd type="none" w="med" len="sm"/>
-            <a:tailEnd type="stealth" w="lg" len="med"/>
+            <a:prstDash val="solid"/>
+            <a:headEnd type="none"/>
+            <a:tailEnd type="stealth"/>
           </a:ln>
-          <a:effectLst/>
-        </p:spPr>
-        <p:txBody>
-          <a:bodyPr/>
-          <a:lstStyle/>
-          <a:p>
-            <a:endParaRPr lang="en-US"/>
-          </a:p>
-        </p:txBody>
-      </p:sp>
-      <p:sp>
-        <p:nvSpPr>
-          <p:cNvPr id="22" name="Line 24"/>
-          <p:cNvSpPr>
-            <a:spLocks noChangeShapeType="1"/>
-          </p:cNvSpPr>
+        </p:spPr>
+        <p:style>
+          <a:lnRef idx="1">
+            <a:schemeClr val="accent1"/>
+          </a:lnRef>
+          <a:fillRef idx="0">
+            <a:schemeClr val="accent1"/>
+          </a:fillRef>
+          <a:effectRef idx="0">
+            <a:schemeClr val="accent1"/>
+          </a:effectRef>
+          <a:fontRef idx="minor">
+            <a:schemeClr val="tx1"/>
+          </a:fontRef>
+        </p:style>
+        <p:txBody>
+          <a:bodyPr rtlCol="0" anchor="ctr"/>
+          <a:lstStyle/>
+          <a:p>
+            <a:pPr algn="ctr"/>
+            <a:endParaRPr lang="en-US"/>
+          </a:p>
+        </p:txBody>
+      </p:sp>
+      <p:graphicFrame>
+        <p:nvGraphicFramePr>
+          <p:cNvPr id="42010" name="Object 26"/>
+          <p:cNvGraphicFramePr>
+            <a:graphicFrameLocks noChangeAspect="1"/>
+          </p:cNvGraphicFramePr>
           <p:nvPr/>
-        </p:nvSpPr>
-        <p:spPr bwMode="auto">
+        </p:nvGraphicFramePr>
+        <p:xfrm>
+          <a:off x="2670532" y="1852936"/>
+          <a:ext cx="282575" cy="304800"/>
+        </p:xfrm>
+        <a:graphic>
+          <a:graphicData uri="http://schemas.openxmlformats.org/presentationml/2006/ole">
+            <p:oleObj spid="_x0000_s42010" name="Equation" r:id="rId11" imgW="152280" imgH="164880" progId="Equation.DSMT4">
+              <p:embed/>
+            </p:oleObj>
+          </a:graphicData>
+        </a:graphic>
+      </p:graphicFrame>
+      <p:sp>
+        <p:nvSpPr>
+          <p:cNvPr id="130" name="Arc 129"/>
+          <p:cNvSpPr/>
+          <p:nvPr/>
+        </p:nvSpPr>
+        <p:spPr>
           <a:xfrm>
-            <a:off x="3617280" y="3983799"/>
-            <a:ext cx="36576" cy="512064"/>
-          </a:xfrm>
-          <a:prstGeom prst="line">
-            <a:avLst/>
+            <a:off x="204788" y="1884784"/>
+            <a:ext cx="4703114" cy="4371554"/>
+          </a:xfrm>
+          <a:prstGeom prst="arc">
+            <a:avLst>
+              <a:gd name="adj1" fmla="val 17419638"/>
+              <a:gd name="adj2" fmla="val 19342847"/>
+            </a:avLst>
           </a:prstGeom>
-          <a:noFill/>
-          <a:ln w="25400">
+          <a:ln w="15875">
             <a:solidFill>
               <a:schemeClr val="tx1"/>
             </a:solidFill>
-            <a:round/>
-            <a:headEnd type="none" w="med" len="sm"/>
-            <a:tailEnd type="stealth" w="lg" len="med"/>
+            <a:prstDash val="solid"/>
+            <a:headEnd type="none"/>
+            <a:tailEnd type="stealth"/>
           </a:ln>
-          <a:effectLst/>
-        </p:spPr>
-        <p:txBody>
-          <a:bodyPr/>
-          <a:lstStyle/>
-          <a:p>
-            <a:endParaRPr lang="en-US"/>
-          </a:p>
-        </p:txBody>
-      </p:sp>
-      <p:sp>
-        <p:nvSpPr>
-          <p:cNvPr id="26" name="Text Box 69"/>
-          <p:cNvSpPr txBox="1">
-            <a:spLocks noChangeArrowheads="1"/>
-          </p:cNvSpPr>
+        </p:spPr>
+        <p:style>
+          <a:lnRef idx="1">
+            <a:schemeClr val="accent1"/>
+          </a:lnRef>
+          <a:fillRef idx="0">
+            <a:schemeClr val="accent1"/>
+          </a:fillRef>
+          <a:effectRef idx="0">
+            <a:schemeClr val="accent1"/>
+          </a:effectRef>
+          <a:fontRef idx="minor">
+            <a:schemeClr val="tx1"/>
+          </a:fontRef>
+        </p:style>
+        <p:txBody>
+          <a:bodyPr rtlCol="0" anchor="ctr"/>
+          <a:lstStyle/>
+          <a:p>
+            <a:pPr algn="ctr"/>
+            <a:endParaRPr lang="en-US"/>
+          </a:p>
+        </p:txBody>
+      </p:sp>
+      <p:graphicFrame>
+        <p:nvGraphicFramePr>
+          <p:cNvPr id="42011" name="Object 27"/>
+          <p:cNvGraphicFramePr>
+            <a:graphicFrameLocks noChangeAspect="1"/>
+          </p:cNvGraphicFramePr>
           <p:nvPr/>
-        </p:nvSpPr>
+        </p:nvGraphicFramePr>
+        <p:xfrm>
+          <a:off x="3468688" y="1712913"/>
+          <a:ext cx="352425" cy="422275"/>
+        </p:xfrm>
+        <a:graphic>
+          <a:graphicData uri="http://schemas.openxmlformats.org/presentationml/2006/ole">
+            <p:oleObj spid="_x0000_s42011" name="Equation" r:id="rId12" imgW="190440" imgH="228600" progId="Equation.DSMT4">
+              <p:embed/>
+            </p:oleObj>
+          </a:graphicData>
+        </a:graphic>
+      </p:graphicFrame>
+    </p:spTree>
+  </p:cSld>
+  <p:clrMapOvr>
+    <a:masterClrMapping/>
+  </p:clrMapOvr>
+  <p:timing>
+    <p:tnLst>
+      <p:par>
+        <p:cTn id="1" dur="indefinite" restart="never" nodeType="tmRoot"/>
+      </p:par>
+    </p:tnLst>
+  </p:timing>
+</p:sld>
+</file>
+
+<file path=ppt/slides/slide2.xml><?xml version="1.0" encoding="utf-8"?>
+<p:sld xmlns:a="http://schemas.openxmlformats.org/drawingml/2006/main" xmlns:r="http://schemas.openxmlformats.org/officeDocument/2006/relationships" xmlns:p="http://schemas.openxmlformats.org/presentationml/2006/main">
+  <p:cSld>
+    <p:spTree>
+      <p:nvGrpSpPr>
+        <p:cNvPr id="1" name=""/>
+        <p:cNvGrpSpPr/>
+        <p:nvPr/>
+      </p:nvGrpSpPr>
+      <p:grpSpPr>
+        <a:xfrm>
+          <a:off x="0" y="0"/>
+          <a:ext cx="0" cy="0"/>
+          <a:chOff x="0" y="0"/>
+          <a:chExt cx="0" cy="0"/>
+        </a:xfrm>
+      </p:grpSpPr>
+      <p:pic>
+        <p:nvPicPr>
+          <p:cNvPr id="42004" name="Picture 20"/>
+          <p:cNvPicPr>
+            <a:picLocks noChangeAspect="1" noChangeArrowheads="1"/>
+          </p:cNvPicPr>
+          <p:nvPr/>
+        </p:nvPicPr>
+        <p:blipFill>
+          <a:blip r:embed="rId3" cstate="print"/>
+          <a:srcRect/>
+          <a:stretch>
+            <a:fillRect/>
+          </a:stretch>
+        </p:blipFill>
         <p:spPr bwMode="auto">
           <a:xfrm>
-            <a:off x="3946610" y="4452930"/>
-            <a:ext cx="1225335" cy="307777"/>
+            <a:off x="1106455" y="2715207"/>
+            <a:ext cx="2887852" cy="2683523"/>
           </a:xfrm>
           <a:prstGeom prst="rect">
             <a:avLst/>
@@ -3475,84 +3919,312 @@
             <a:headEnd/>
             <a:tailEnd/>
           </a:ln>
-          <a:effectLst/>
-        </p:spPr>
-        <p:txBody>
-          <a:bodyPr wrap="none">
-            <a:spAutoFit/>
-          </a:bodyPr>
-          <a:lstStyle/>
-          <a:p>
-            <a:r>
-              <a:rPr lang="en-US" sz="1400" dirty="0" smtClean="0">
-                <a:latin typeface="Garamond" pitchFamily="18" charset="0"/>
-              </a:rPr>
-              <a:t>Rotating frame</a:t>
-            </a:r>
-            <a:endParaRPr lang="en-US" sz="1400" dirty="0">
-              <a:latin typeface="Garamond" pitchFamily="18" charset="0"/>
-            </a:endParaRPr>
-          </a:p>
-        </p:txBody>
-      </p:sp>
-      <p:sp>
-        <p:nvSpPr>
-          <p:cNvPr id="27" name="Text Box 69"/>
-          <p:cNvSpPr txBox="1">
-            <a:spLocks noChangeArrowheads="1"/>
-          </p:cNvSpPr>
+        </p:spPr>
+      </p:pic>
+      <p:sp>
+        <p:nvSpPr>
+          <p:cNvPr id="52" name="TextBox 51"/>
+          <p:cNvSpPr txBox="1"/>
           <p:nvPr/>
         </p:nvSpPr>
-        <p:spPr bwMode="auto">
+        <p:spPr>
           <a:xfrm>
-            <a:off x="2849205" y="4857382"/>
-            <a:ext cx="1553630" cy="307777"/>
+            <a:off x="2134475" y="1265459"/>
+            <a:ext cx="795337" cy="307777"/>
           </a:xfrm>
           <a:prstGeom prst="rect">
             <a:avLst/>
           </a:prstGeom>
           <a:noFill/>
-          <a:ln w="9525">
-            <a:noFill/>
-            <a:miter lim="800000"/>
-            <a:headEnd/>
-            <a:tailEnd/>
-          </a:ln>
-          <a:effectLst/>
-        </p:spPr>
-        <p:txBody>
-          <a:bodyPr wrap="none">
+        </p:spPr>
+        <p:txBody>
+          <a:bodyPr wrap="square" rtlCol="0">
             <a:spAutoFit/>
           </a:bodyPr>
           <a:lstStyle/>
           <a:p>
             <a:r>
-              <a:rPr lang="en-US" sz="1400" dirty="0" smtClean="0">
+              <a:rPr lang="en-US" sz="1400" b="1" dirty="0" smtClean="0">
                 <a:latin typeface="Garamond" pitchFamily="18" charset="0"/>
               </a:rPr>
-              <a:t>Non-rotating frame</a:t>
-            </a:r>
-            <a:endParaRPr lang="en-US" sz="1400" dirty="0">
+              <a:t>North</a:t>
+            </a:r>
+            <a:endParaRPr lang="en-US" sz="1400" b="1" dirty="0">
               <a:latin typeface="Garamond" pitchFamily="18" charset="0"/>
             </a:endParaRPr>
           </a:p>
         </p:txBody>
       </p:sp>
+      <p:sp>
+        <p:nvSpPr>
+          <p:cNvPr id="65" name="TextBox 64"/>
+          <p:cNvSpPr txBox="1"/>
+          <p:nvPr/>
+        </p:nvSpPr>
+        <p:spPr>
+          <a:xfrm>
+            <a:off x="1996750" y="3462238"/>
+            <a:ext cx="457201" cy="307777"/>
+          </a:xfrm>
+          <a:prstGeom prst="rect">
+            <a:avLst/>
+          </a:prstGeom>
+          <a:noFill/>
+        </p:spPr>
+        <p:txBody>
+          <a:bodyPr wrap="square" rtlCol="0">
+            <a:spAutoFit/>
+          </a:bodyPr>
+          <a:lstStyle/>
+          <a:p>
+            <a:r>
+              <a:rPr lang="en-US" sz="1400" b="1" dirty="0" smtClean="0">
+                <a:latin typeface="Garamond" pitchFamily="18" charset="0"/>
+              </a:rPr>
+              <a:t>CG</a:t>
+            </a:r>
+            <a:endParaRPr lang="en-US" sz="1400" b="1" dirty="0">
+              <a:latin typeface="Garamond" pitchFamily="18" charset="0"/>
+            </a:endParaRPr>
+          </a:p>
+        </p:txBody>
+      </p:sp>
+      <p:cxnSp>
+        <p:nvCxnSpPr>
+          <p:cNvPr id="77" name="Straight Arrow Connector 76"/>
+          <p:cNvCxnSpPr/>
+          <p:nvPr/>
+        </p:nvCxnSpPr>
+        <p:spPr>
+          <a:xfrm>
+            <a:off x="4390445" y="1949122"/>
+            <a:ext cx="704069" cy="308886"/>
+          </a:xfrm>
+          <a:prstGeom prst="straightConnector1">
+            <a:avLst/>
+          </a:prstGeom>
+          <a:ln w="25400">
+            <a:solidFill>
+              <a:schemeClr val="tx1"/>
+            </a:solidFill>
+            <a:tailEnd type="stealth" w="lg" len="med"/>
+          </a:ln>
+        </p:spPr>
+        <p:style>
+          <a:lnRef idx="1">
+            <a:schemeClr val="accent1"/>
+          </a:lnRef>
+          <a:fillRef idx="0">
+            <a:schemeClr val="accent1"/>
+          </a:fillRef>
+          <a:effectRef idx="0">
+            <a:schemeClr val="accent1"/>
+          </a:effectRef>
+          <a:fontRef idx="minor">
+            <a:schemeClr val="tx1"/>
+          </a:fontRef>
+        </p:style>
+      </p:cxnSp>
+      <p:cxnSp>
+        <p:nvCxnSpPr>
+          <p:cNvPr id="43" name="Straight Arrow Connector 42"/>
+          <p:cNvCxnSpPr>
+            <a:stCxn id="45" idx="4"/>
+          </p:cNvCxnSpPr>
+          <p:nvPr/>
+        </p:nvCxnSpPr>
+        <p:spPr>
+          <a:xfrm flipH="1" flipV="1">
+            <a:off x="2500604" y="1567543"/>
+            <a:ext cx="23247" cy="2205560"/>
+          </a:xfrm>
+          <a:prstGeom prst="straightConnector1">
+            <a:avLst/>
+          </a:prstGeom>
+          <a:ln w="25400">
+            <a:solidFill>
+              <a:schemeClr val="tx1"/>
+            </a:solidFill>
+            <a:tailEnd type="stealth" w="lg" len="med"/>
+          </a:ln>
+        </p:spPr>
+        <p:style>
+          <a:lnRef idx="1">
+            <a:schemeClr val="accent1"/>
+          </a:lnRef>
+          <a:fillRef idx="0">
+            <a:schemeClr val="accent1"/>
+          </a:fillRef>
+          <a:effectRef idx="0">
+            <a:schemeClr val="accent1"/>
+          </a:effectRef>
+          <a:fontRef idx="minor">
+            <a:schemeClr val="tx1"/>
+          </a:fontRef>
+        </p:style>
+      </p:cxnSp>
+      <p:sp>
+        <p:nvSpPr>
+          <p:cNvPr id="45" name="Flowchart: Or 44"/>
+          <p:cNvSpPr/>
+          <p:nvPr/>
+        </p:nvSpPr>
+        <p:spPr>
+          <a:xfrm rot="1299533">
+            <a:off x="2480013" y="3654685"/>
+            <a:ext cx="132980" cy="122751"/>
+          </a:xfrm>
+          <a:prstGeom prst="flowChartOr">
+            <a:avLst/>
+          </a:prstGeom>
+          <a:solidFill>
+            <a:schemeClr val="tx1"/>
+          </a:solidFill>
+          <a:ln w="15875">
+            <a:solidFill>
+              <a:schemeClr val="tx1"/>
+            </a:solidFill>
+            <a:tailEnd type="stealth" w="lg" len="med"/>
+          </a:ln>
+        </p:spPr>
+        <p:style>
+          <a:lnRef idx="1">
+            <a:schemeClr val="accent1"/>
+          </a:lnRef>
+          <a:fillRef idx="0">
+            <a:schemeClr val="accent1"/>
+          </a:fillRef>
+          <a:effectRef idx="0">
+            <a:schemeClr val="accent1"/>
+          </a:effectRef>
+          <a:fontRef idx="minor">
+            <a:schemeClr val="tx1"/>
+          </a:fontRef>
+        </p:style>
+        <p:txBody>
+          <a:bodyPr rtlCol="0" anchor="ctr"/>
+          <a:lstStyle/>
+          <a:p>
+            <a:pPr algn="ctr"/>
+            <a:endParaRPr lang="en-US">
+              <a:solidFill>
+                <a:schemeClr val="tx1"/>
+              </a:solidFill>
+            </a:endParaRPr>
+          </a:p>
+        </p:txBody>
+      </p:sp>
+      <p:cxnSp>
+        <p:nvCxnSpPr>
+          <p:cNvPr id="74" name="Straight Arrow Connector 73"/>
+          <p:cNvCxnSpPr>
+            <a:stCxn id="45" idx="0"/>
+          </p:cNvCxnSpPr>
+          <p:nvPr/>
+        </p:nvCxnSpPr>
+        <p:spPr>
+          <a:xfrm flipV="1">
+            <a:off x="2569155" y="1436914"/>
+            <a:ext cx="1013800" cy="2222104"/>
+          </a:xfrm>
+          <a:prstGeom prst="straightConnector1">
+            <a:avLst/>
+          </a:prstGeom>
+          <a:ln w="25400">
+            <a:solidFill>
+              <a:schemeClr val="tx1"/>
+            </a:solidFill>
+            <a:tailEnd type="stealth" w="lg" len="med"/>
+          </a:ln>
+        </p:spPr>
+        <p:style>
+          <a:lnRef idx="1">
+            <a:schemeClr val="accent1"/>
+          </a:lnRef>
+          <a:fillRef idx="0">
+            <a:schemeClr val="accent1"/>
+          </a:fillRef>
+          <a:effectRef idx="0">
+            <a:schemeClr val="accent1"/>
+          </a:effectRef>
+          <a:fontRef idx="minor">
+            <a:schemeClr val="tx1"/>
+          </a:fontRef>
+        </p:style>
+      </p:cxnSp>
       <p:graphicFrame>
         <p:nvGraphicFramePr>
-          <p:cNvPr id="29" name="Object 28"/>
+          <p:cNvPr id="79" name="Object 21"/>
           <p:cNvGraphicFramePr>
             <a:graphicFrameLocks noChangeAspect="1"/>
           </p:cNvGraphicFramePr>
           <p:nvPr/>
         </p:nvGraphicFramePr>
         <p:xfrm>
-          <a:off x="2590800" y="4800600"/>
-          <a:ext cx="211138" cy="315913"/>
+          <a:off x="3257355" y="1138337"/>
+          <a:ext cx="307975" cy="422275"/>
         </p:xfrm>
         <a:graphic>
           <a:graphicData uri="http://schemas.openxmlformats.org/presentationml/2006/ole">
-            <p:oleObj spid="_x0000_s1027" name="Equation" r:id="rId3" imgW="152280" imgH="228600" progId="Equation.DSMT4">
+            <p:oleObj spid="_x0000_s55298" name="Equation" r:id="rId4" imgW="164880" imgH="228600" progId="Equation.DSMT4">
+              <p:embed/>
+            </p:oleObj>
+          </a:graphicData>
+        </a:graphic>
+      </p:graphicFrame>
+      <p:cxnSp>
+        <p:nvCxnSpPr>
+          <p:cNvPr id="80" name="Straight Arrow Connector 79"/>
+          <p:cNvCxnSpPr>
+            <a:stCxn id="45" idx="7"/>
+          </p:cNvCxnSpPr>
+          <p:nvPr/>
+        </p:nvCxnSpPr>
+        <p:spPr>
+          <a:xfrm flipV="1">
+            <a:off x="2606217" y="1940767"/>
+            <a:ext cx="1797832" cy="1752311"/>
+          </a:xfrm>
+          <a:prstGeom prst="straightConnector1">
+            <a:avLst/>
+          </a:prstGeom>
+          <a:ln w="25400">
+            <a:solidFill>
+              <a:schemeClr val="tx1"/>
+            </a:solidFill>
+            <a:tailEnd type="stealth" w="lg" len="med"/>
+          </a:ln>
+        </p:spPr>
+        <p:style>
+          <a:lnRef idx="1">
+            <a:schemeClr val="accent1"/>
+          </a:lnRef>
+          <a:fillRef idx="0">
+            <a:schemeClr val="accent1"/>
+          </a:fillRef>
+          <a:effectRef idx="0">
+            <a:schemeClr val="accent1"/>
+          </a:effectRef>
+          <a:fontRef idx="minor">
+            <a:schemeClr val="tx1"/>
+          </a:fontRef>
+        </p:style>
+      </p:cxnSp>
+      <p:graphicFrame>
+        <p:nvGraphicFramePr>
+          <p:cNvPr id="94" name="Object 21"/>
+          <p:cNvGraphicFramePr>
+            <a:graphicFrameLocks noChangeAspect="1"/>
+          </p:cNvGraphicFramePr>
+          <p:nvPr/>
+        </p:nvGraphicFramePr>
+        <p:xfrm>
+          <a:off x="4272223" y="1510881"/>
+          <a:ext cx="379413" cy="422275"/>
+        </p:xfrm>
+        <a:graphic>
+          <a:graphicData uri="http://schemas.openxmlformats.org/presentationml/2006/ole">
+            <p:oleObj spid="_x0000_s55299" name="Equation" r:id="rId5" imgW="203040" imgH="228600" progId="Equation.DSMT4">
               <p:embed/>
             </p:oleObj>
           </a:graphicData>
@@ -3560,19 +4232,19 @@
       </p:graphicFrame>
       <p:graphicFrame>
         <p:nvGraphicFramePr>
-          <p:cNvPr id="1029" name="Object 2"/>
+          <p:cNvPr id="42005" name="Object 21"/>
           <p:cNvGraphicFramePr>
             <a:graphicFrameLocks noChangeAspect="1"/>
           </p:cNvGraphicFramePr>
           <p:nvPr/>
         </p:nvGraphicFramePr>
         <p:xfrm>
-          <a:off x="5257800" y="3810000"/>
-          <a:ext cx="211138" cy="315913"/>
+          <a:off x="2112800" y="1589315"/>
+          <a:ext cx="307975" cy="422275"/>
         </p:xfrm>
         <a:graphic>
           <a:graphicData uri="http://schemas.openxmlformats.org/presentationml/2006/ole">
-            <p:oleObj spid="_x0000_s1029" name="Equation" r:id="rId4" imgW="152280" imgH="228600" progId="Equation.DSMT4">
+            <p:oleObj spid="_x0000_s55300" name="Equation" r:id="rId6" imgW="164880" imgH="228600" progId="Equation.DSMT4">
               <p:embed/>
             </p:oleObj>
           </a:graphicData>
@@ -3580,205 +4252,366 @@
       </p:graphicFrame>
       <p:graphicFrame>
         <p:nvGraphicFramePr>
-          <p:cNvPr id="1030" name="Object 2"/>
+          <p:cNvPr id="117" name="Object 17"/>
           <p:cNvGraphicFramePr>
             <a:graphicFrameLocks noChangeAspect="1"/>
           </p:cNvGraphicFramePr>
           <p:nvPr/>
         </p:nvGraphicFramePr>
         <p:xfrm>
-          <a:off x="3276600" y="2057400"/>
-          <a:ext cx="193675" cy="315913"/>
+          <a:off x="4977203" y="1797083"/>
+          <a:ext cx="403225" cy="422275"/>
         </p:xfrm>
         <a:graphic>
           <a:graphicData uri="http://schemas.openxmlformats.org/presentationml/2006/ole">
-            <p:oleObj spid="_x0000_s1030" name="Equation" r:id="rId5" imgW="139680" imgH="228600" progId="Equation.DSMT4">
+            <p:oleObj spid="_x0000_s55301" name="Equation" r:id="rId7" imgW="215640" imgH="228600" progId="Equation.DSMT4">
               <p:embed/>
             </p:oleObj>
           </a:graphicData>
         </a:graphic>
       </p:graphicFrame>
+      <p:cxnSp>
+        <p:nvCxnSpPr>
+          <p:cNvPr id="119" name="Straight Arrow Connector 118"/>
+          <p:cNvCxnSpPr>
+            <a:stCxn id="45" idx="7"/>
+          </p:cNvCxnSpPr>
+          <p:nvPr/>
+        </p:nvCxnSpPr>
+        <p:spPr>
+          <a:xfrm flipV="1">
+            <a:off x="2606217" y="2267339"/>
+            <a:ext cx="2497628" cy="1425739"/>
+          </a:xfrm>
+          <a:prstGeom prst="straightConnector1">
+            <a:avLst/>
+          </a:prstGeom>
+          <a:ln w="25400">
+            <a:solidFill>
+              <a:schemeClr val="tx1"/>
+            </a:solidFill>
+            <a:tailEnd type="stealth" w="lg" len="med"/>
+          </a:ln>
+        </p:spPr>
+        <p:style>
+          <a:lnRef idx="1">
+            <a:schemeClr val="accent1"/>
+          </a:lnRef>
+          <a:fillRef idx="0">
+            <a:schemeClr val="accent1"/>
+          </a:fillRef>
+          <a:effectRef idx="0">
+            <a:schemeClr val="accent1"/>
+          </a:effectRef>
+          <a:fontRef idx="minor">
+            <a:schemeClr val="tx1"/>
+          </a:fontRef>
+        </p:style>
+      </p:cxnSp>
       <p:graphicFrame>
         <p:nvGraphicFramePr>
-          <p:cNvPr id="1031" name="Object 2"/>
+          <p:cNvPr id="42007" name="Object 15"/>
           <p:cNvGraphicFramePr>
             <a:graphicFrameLocks noChangeAspect="1"/>
           </p:cNvGraphicFramePr>
           <p:nvPr/>
         </p:nvGraphicFramePr>
         <p:xfrm>
-          <a:off x="2828925" y="3348038"/>
-          <a:ext cx="246063" cy="315912"/>
+          <a:off x="4845439" y="2435743"/>
+          <a:ext cx="379413" cy="446088"/>
         </p:xfrm>
         <a:graphic>
           <a:graphicData uri="http://schemas.openxmlformats.org/presentationml/2006/ole">
-            <p:oleObj spid="_x0000_s1031" name="Equation" r:id="rId6" imgW="177480" imgH="228600" progId="Equation.DSMT4">
+            <p:oleObj spid="_x0000_s55302" name="Equation" r:id="rId8" imgW="203040" imgH="241200" progId="Equation.DSMT4">
               <p:embed/>
             </p:oleObj>
           </a:graphicData>
         </a:graphic>
       </p:graphicFrame>
+      <p:sp>
+        <p:nvSpPr>
+          <p:cNvPr id="122" name="Arc 121"/>
+          <p:cNvSpPr/>
+          <p:nvPr/>
+        </p:nvSpPr>
+        <p:spPr>
+          <a:xfrm rot="20079577">
+            <a:off x="727788" y="3536302"/>
+            <a:ext cx="4898571" cy="2015412"/>
+          </a:xfrm>
+          <a:prstGeom prst="arc">
+            <a:avLst>
+              <a:gd name="adj1" fmla="val 11111667"/>
+              <a:gd name="adj2" fmla="val 20574103"/>
+            </a:avLst>
+          </a:prstGeom>
+          <a:ln w="9525">
+            <a:solidFill>
+              <a:schemeClr val="tx1"/>
+            </a:solidFill>
+            <a:prstDash val="dash"/>
+            <a:tailEnd type="none" w="lg" len="med"/>
+          </a:ln>
+        </p:spPr>
+        <p:style>
+          <a:lnRef idx="1">
+            <a:schemeClr val="accent1"/>
+          </a:lnRef>
+          <a:fillRef idx="0">
+            <a:schemeClr val="accent1"/>
+          </a:fillRef>
+          <a:effectRef idx="0">
+            <a:schemeClr val="accent1"/>
+          </a:effectRef>
+          <a:fontRef idx="minor">
+            <a:schemeClr val="tx1"/>
+          </a:fontRef>
+        </p:style>
+        <p:txBody>
+          <a:bodyPr rtlCol="0" anchor="ctr"/>
+          <a:lstStyle/>
+          <a:p>
+            <a:pPr algn="ctr"/>
+            <a:endParaRPr lang="en-US"/>
+          </a:p>
+        </p:txBody>
+      </p:sp>
+      <p:sp>
+        <p:nvSpPr>
+          <p:cNvPr id="124" name="TextBox 123"/>
+          <p:cNvSpPr txBox="1"/>
+          <p:nvPr/>
+        </p:nvSpPr>
+        <p:spPr>
+          <a:xfrm>
+            <a:off x="744212" y="4269916"/>
+            <a:ext cx="795337" cy="523220"/>
+          </a:xfrm>
+          <a:prstGeom prst="rect">
+            <a:avLst/>
+          </a:prstGeom>
+          <a:noFill/>
+        </p:spPr>
+        <p:txBody>
+          <a:bodyPr wrap="square" rtlCol="0">
+            <a:spAutoFit/>
+          </a:bodyPr>
+          <a:lstStyle/>
+          <a:p>
+            <a:r>
+              <a:rPr lang="en-US" sz="1400" b="1" dirty="0" smtClean="0">
+                <a:latin typeface="Garamond" pitchFamily="18" charset="0"/>
+              </a:rPr>
+              <a:t>Ground track</a:t>
+            </a:r>
+            <a:endParaRPr lang="en-US" sz="1400" b="1" dirty="0">
+              <a:latin typeface="Garamond" pitchFamily="18" charset="0"/>
+            </a:endParaRPr>
+          </a:p>
+        </p:txBody>
+      </p:sp>
+      <p:sp>
+        <p:nvSpPr>
+          <p:cNvPr id="125" name="Arc 124"/>
+          <p:cNvSpPr/>
+          <p:nvPr/>
+        </p:nvSpPr>
+        <p:spPr>
+          <a:xfrm>
+            <a:off x="746451" y="2621924"/>
+            <a:ext cx="3107096" cy="2388636"/>
+          </a:xfrm>
+          <a:prstGeom prst="arc">
+            <a:avLst>
+              <a:gd name="adj1" fmla="val 18183383"/>
+              <a:gd name="adj2" fmla="val 19235365"/>
+            </a:avLst>
+          </a:prstGeom>
+          <a:ln w="15875">
+            <a:solidFill>
+              <a:schemeClr val="tx1"/>
+            </a:solidFill>
+            <a:prstDash val="solid"/>
+            <a:headEnd type="none"/>
+            <a:tailEnd type="stealth"/>
+          </a:ln>
+        </p:spPr>
+        <p:style>
+          <a:lnRef idx="1">
+            <a:schemeClr val="accent1"/>
+          </a:lnRef>
+          <a:fillRef idx="0">
+            <a:schemeClr val="accent1"/>
+          </a:fillRef>
+          <a:effectRef idx="0">
+            <a:schemeClr val="accent1"/>
+          </a:effectRef>
+          <a:fontRef idx="minor">
+            <a:schemeClr val="tx1"/>
+          </a:fontRef>
+        </p:style>
+        <p:txBody>
+          <a:bodyPr rtlCol="0" anchor="ctr"/>
+          <a:lstStyle/>
+          <a:p>
+            <a:pPr algn="ctr"/>
+            <a:endParaRPr lang="en-US"/>
+          </a:p>
+        </p:txBody>
+      </p:sp>
       <p:graphicFrame>
         <p:nvGraphicFramePr>
-          <p:cNvPr id="1032" name="Object 2"/>
+          <p:cNvPr id="126" name="Object 19"/>
           <p:cNvGraphicFramePr>
             <a:graphicFrameLocks noChangeAspect="1"/>
           </p:cNvGraphicFramePr>
           <p:nvPr/>
         </p:nvGraphicFramePr>
         <p:xfrm>
-          <a:off x="5029200" y="1981200"/>
-          <a:ext cx="228600" cy="315913"/>
+          <a:off x="3151253" y="2424502"/>
+          <a:ext cx="284162" cy="374650"/>
         </p:xfrm>
         <a:graphic>
           <a:graphicData uri="http://schemas.openxmlformats.org/presentationml/2006/ole">
-            <p:oleObj spid="_x0000_s1032" name="Equation" r:id="rId7" imgW="164880" imgH="228600" progId="Equation.DSMT4">
+            <p:oleObj spid="_x0000_s55303" name="Equation" r:id="rId9" imgW="152280" imgH="203040" progId="Equation.DSMT4">
               <p:embed/>
             </p:oleObj>
           </a:graphicData>
         </a:graphic>
       </p:graphicFrame>
+      <p:sp>
+        <p:nvSpPr>
+          <p:cNvPr id="127" name="Arc 126"/>
+          <p:cNvSpPr/>
+          <p:nvPr/>
+        </p:nvSpPr>
+        <p:spPr>
+          <a:xfrm>
+            <a:off x="1380928" y="2653031"/>
+            <a:ext cx="2279787" cy="2208223"/>
+          </a:xfrm>
+          <a:prstGeom prst="arc">
+            <a:avLst>
+              <a:gd name="adj1" fmla="val 16214435"/>
+              <a:gd name="adj2" fmla="val 17677962"/>
+            </a:avLst>
+          </a:prstGeom>
+          <a:ln w="15875">
+            <a:solidFill>
+              <a:schemeClr val="tx1"/>
+            </a:solidFill>
+            <a:prstDash val="solid"/>
+            <a:headEnd type="none"/>
+            <a:tailEnd type="stealth"/>
+          </a:ln>
+        </p:spPr>
+        <p:style>
+          <a:lnRef idx="1">
+            <a:schemeClr val="accent1"/>
+          </a:lnRef>
+          <a:fillRef idx="0">
+            <a:schemeClr val="accent1"/>
+          </a:fillRef>
+          <a:effectRef idx="0">
+            <a:schemeClr val="accent1"/>
+          </a:effectRef>
+          <a:fontRef idx="minor">
+            <a:schemeClr val="tx1"/>
+          </a:fontRef>
+        </p:style>
+        <p:txBody>
+          <a:bodyPr rtlCol="0" anchor="ctr"/>
+          <a:lstStyle/>
+          <a:p>
+            <a:pPr algn="ctr"/>
+            <a:endParaRPr lang="en-US"/>
+          </a:p>
+        </p:txBody>
+      </p:sp>
       <p:graphicFrame>
         <p:nvGraphicFramePr>
-          <p:cNvPr id="1033" name="Object 2"/>
+          <p:cNvPr id="42009" name="Object 25"/>
           <p:cNvGraphicFramePr>
             <a:graphicFrameLocks noChangeAspect="1"/>
           </p:cNvGraphicFramePr>
           <p:nvPr/>
         </p:nvGraphicFramePr>
         <p:xfrm>
-          <a:off x="3733800" y="4419600"/>
-          <a:ext cx="228600" cy="315913"/>
+          <a:off x="2611016" y="2326465"/>
+          <a:ext cx="282575" cy="304800"/>
         </p:xfrm>
         <a:graphic>
           <a:graphicData uri="http://schemas.openxmlformats.org/presentationml/2006/ole">
-            <p:oleObj spid="_x0000_s1033" name="Equation" r:id="rId8" imgW="164880" imgH="228600" progId="Equation.DSMT4">
+            <p:oleObj spid="_x0000_s55304" name="Equation" r:id="rId10" imgW="152280" imgH="164880" progId="Equation.DSMT4">
               <p:embed/>
             </p:oleObj>
           </a:graphicData>
         </a:graphic>
       </p:graphicFrame>
+      <p:sp>
+        <p:nvSpPr>
+          <p:cNvPr id="128" name="Arc 127"/>
+          <p:cNvSpPr/>
+          <p:nvPr/>
+        </p:nvSpPr>
+        <p:spPr>
+          <a:xfrm>
+            <a:off x="497626" y="2153598"/>
+            <a:ext cx="4009057" cy="3981442"/>
+          </a:xfrm>
+          <a:prstGeom prst="arc">
+            <a:avLst>
+              <a:gd name="adj1" fmla="val 16216377"/>
+              <a:gd name="adj2" fmla="val 19225362"/>
+            </a:avLst>
+          </a:prstGeom>
+          <a:ln w="15875">
+            <a:solidFill>
+              <a:schemeClr val="tx1"/>
+            </a:solidFill>
+            <a:prstDash val="solid"/>
+            <a:headEnd type="none"/>
+            <a:tailEnd type="stealth"/>
+          </a:ln>
+        </p:spPr>
+        <p:style>
+          <a:lnRef idx="1">
+            <a:schemeClr val="accent1"/>
+          </a:lnRef>
+          <a:fillRef idx="0">
+            <a:schemeClr val="accent1"/>
+          </a:fillRef>
+          <a:effectRef idx="0">
+            <a:schemeClr val="accent1"/>
+          </a:effectRef>
+          <a:fontRef idx="minor">
+            <a:schemeClr val="tx1"/>
+          </a:fontRef>
+        </p:style>
+        <p:txBody>
+          <a:bodyPr rtlCol="0" anchor="ctr"/>
+          <a:lstStyle/>
+          <a:p>
+            <a:pPr algn="ctr"/>
+            <a:endParaRPr lang="en-US"/>
+          </a:p>
+        </p:txBody>
+      </p:sp>
       <p:graphicFrame>
         <p:nvGraphicFramePr>
-          <p:cNvPr id="1034" name="Object 2"/>
+          <p:cNvPr id="42010" name="Object 26"/>
           <p:cNvGraphicFramePr>
             <a:graphicFrameLocks noChangeAspect="1"/>
           </p:cNvGraphicFramePr>
           <p:nvPr/>
         </p:nvGraphicFramePr>
         <p:xfrm>
-          <a:off x="5037138" y="3489325"/>
-          <a:ext cx="211137" cy="193675"/>
+          <a:off x="2670532" y="1852936"/>
+          <a:ext cx="282575" cy="304800"/>
         </p:xfrm>
         <a:graphic>
           <a:graphicData uri="http://schemas.openxmlformats.org/presentationml/2006/ole">
-            <p:oleObj spid="_x0000_s1034" name="Equation" r:id="rId9" imgW="152280" imgH="139680" progId="Equation.DSMT4">
-              <p:embed/>
-            </p:oleObj>
-          </a:graphicData>
-        </a:graphic>
-      </p:graphicFrame>
-      <p:sp>
-        <p:nvSpPr>
-          <p:cNvPr id="37" name="Text Box 46"/>
-          <p:cNvSpPr txBox="1">
-            <a:spLocks noChangeArrowheads="1"/>
-          </p:cNvSpPr>
-          <p:nvPr/>
-        </p:nvSpPr>
-        <p:spPr bwMode="auto">
-          <a:xfrm>
-            <a:off x="3962400" y="2054423"/>
-            <a:ext cx="942887" cy="307777"/>
-          </a:xfrm>
-          <a:prstGeom prst="rect">
-            <a:avLst/>
-          </a:prstGeom>
-          <a:noFill/>
-          <a:ln w="9525">
-            <a:noFill/>
-            <a:miter lim="800000"/>
-            <a:headEnd/>
-            <a:tailEnd/>
-          </a:ln>
-          <a:effectLst/>
-        </p:spPr>
-        <p:txBody>
-          <a:bodyPr wrap="none">
-            <a:spAutoFit/>
-          </a:bodyPr>
-          <a:lstStyle/>
-          <a:p>
-            <a:r>
-              <a:rPr lang="en-US" sz="1400" dirty="0" smtClean="0">
-                <a:latin typeface="Garamond" pitchFamily="18" charset="0"/>
-              </a:rPr>
-              <a:t>Rigid body</a:t>
-            </a:r>
-            <a:endParaRPr lang="en-US" sz="1400" dirty="0">
-              <a:latin typeface="Garamond" pitchFamily="18" charset="0"/>
-            </a:endParaRPr>
-          </a:p>
-        </p:txBody>
-      </p:sp>
-      <p:sp>
-        <p:nvSpPr>
-          <p:cNvPr id="39" name="Text Box 69"/>
-          <p:cNvSpPr txBox="1">
-            <a:spLocks noChangeArrowheads="1"/>
-          </p:cNvSpPr>
-          <p:nvPr/>
-        </p:nvSpPr>
-        <p:spPr bwMode="auto">
-          <a:xfrm>
-            <a:off x="3134847" y="3855771"/>
-            <a:ext cx="327334" cy="307777"/>
-          </a:xfrm>
-          <a:prstGeom prst="rect">
-            <a:avLst/>
-          </a:prstGeom>
-          <a:noFill/>
-          <a:ln w="9525">
-            <a:noFill/>
-            <a:miter lim="800000"/>
-            <a:headEnd/>
-            <a:tailEnd/>
-          </a:ln>
-          <a:effectLst/>
-        </p:spPr>
-        <p:txBody>
-          <a:bodyPr wrap="none">
-            <a:spAutoFit/>
-          </a:bodyPr>
-          <a:lstStyle/>
-          <a:p>
-            <a:r>
-              <a:rPr lang="en-US" sz="1400" b="1" i="1" dirty="0" smtClean="0">
-                <a:latin typeface="Garamond" pitchFamily="18" charset="0"/>
-              </a:rPr>
-              <a:t>O</a:t>
-            </a:r>
-            <a:endParaRPr lang="en-US" sz="1400" b="1" i="1" dirty="0">
-              <a:latin typeface="Garamond" pitchFamily="18" charset="0"/>
-            </a:endParaRPr>
-          </a:p>
-        </p:txBody>
-      </p:sp>
-      <p:graphicFrame>
-        <p:nvGraphicFramePr>
-          <p:cNvPr id="1036" name="Object 12"/>
-          <p:cNvGraphicFramePr>
-            <a:graphicFrameLocks noChangeAspect="1"/>
-          </p:cNvGraphicFramePr>
-          <p:nvPr/>
-        </p:nvGraphicFramePr>
-        <p:xfrm>
-          <a:off x="4433175" y="2791182"/>
-          <a:ext cx="157162" cy="176212"/>
-        </p:xfrm>
-        <a:graphic>
-          <a:graphicData uri="http://schemas.openxmlformats.org/presentationml/2006/ole">
-            <p:oleObj spid="_x0000_s1036" name="Equation" r:id="rId10" imgW="114120" imgH="126720" progId="Equation.DSMT4">
+            <p:oleObj spid="_x0000_s55305" name="Equation" r:id="rId11" imgW="152280" imgH="164880" progId="Equation.DSMT4">
               <p:embed/>
             </p:oleObj>
           </a:graphicData>
